--- a/dfo_python_intro/Introduction to Python.pptx
+++ b/dfo_python_intro/Introduction to Python.pptx
@@ -16,8 +16,9 @@
     <p:sldId id="266" r:id="rId10"/>
     <p:sldId id="264" r:id="rId11"/>
     <p:sldId id="265" r:id="rId12"/>
-    <p:sldId id="267" r:id="rId13"/>
-    <p:sldId id="268" r:id="rId14"/>
+    <p:sldId id="269" r:id="rId13"/>
+    <p:sldId id="267" r:id="rId14"/>
+    <p:sldId id="268" r:id="rId15"/>
   </p:sldIdLst>
   <p:sldSz cx="9144000" cy="6858000" type="screen4x3"/>
   <p:notesSz cx="6858000" cy="9144000"/>
@@ -300,7 +301,7 @@
           <a:p>
             <a:fld id="{D6E0E461-4A86-469C-B1C9-3ED7E68C9EB2}" type="datetimeFigureOut">
               <a:rPr lang="en-CA" smtClean="0"/>
-              <a:t>27/01/2018</a:t>
+              <a:t>30/01/2018</a:t>
             </a:fld>
             <a:endParaRPr lang="en-CA"/>
           </a:p>
@@ -470,7 +471,7 @@
           <a:p>
             <a:fld id="{D6E0E461-4A86-469C-B1C9-3ED7E68C9EB2}" type="datetimeFigureOut">
               <a:rPr lang="en-CA" smtClean="0"/>
-              <a:t>27/01/2018</a:t>
+              <a:t>30/01/2018</a:t>
             </a:fld>
             <a:endParaRPr lang="en-CA"/>
           </a:p>
@@ -650,7 +651,7 @@
           <a:p>
             <a:fld id="{D6E0E461-4A86-469C-B1C9-3ED7E68C9EB2}" type="datetimeFigureOut">
               <a:rPr lang="en-CA" smtClean="0"/>
-              <a:t>27/01/2018</a:t>
+              <a:t>30/01/2018</a:t>
             </a:fld>
             <a:endParaRPr lang="en-CA"/>
           </a:p>
@@ -820,7 +821,7 @@
           <a:p>
             <a:fld id="{D6E0E461-4A86-469C-B1C9-3ED7E68C9EB2}" type="datetimeFigureOut">
               <a:rPr lang="en-CA" smtClean="0"/>
-              <a:t>27/01/2018</a:t>
+              <a:t>30/01/2018</a:t>
             </a:fld>
             <a:endParaRPr lang="en-CA"/>
           </a:p>
@@ -1066,7 +1067,7 @@
           <a:p>
             <a:fld id="{D6E0E461-4A86-469C-B1C9-3ED7E68C9EB2}" type="datetimeFigureOut">
               <a:rPr lang="en-CA" smtClean="0"/>
-              <a:t>27/01/2018</a:t>
+              <a:t>30/01/2018</a:t>
             </a:fld>
             <a:endParaRPr lang="en-CA"/>
           </a:p>
@@ -1354,7 +1355,7 @@
           <a:p>
             <a:fld id="{D6E0E461-4A86-469C-B1C9-3ED7E68C9EB2}" type="datetimeFigureOut">
               <a:rPr lang="en-CA" smtClean="0"/>
-              <a:t>27/01/2018</a:t>
+              <a:t>30/01/2018</a:t>
             </a:fld>
             <a:endParaRPr lang="en-CA"/>
           </a:p>
@@ -1776,7 +1777,7 @@
           <a:p>
             <a:fld id="{D6E0E461-4A86-469C-B1C9-3ED7E68C9EB2}" type="datetimeFigureOut">
               <a:rPr lang="en-CA" smtClean="0"/>
-              <a:t>27/01/2018</a:t>
+              <a:t>30/01/2018</a:t>
             </a:fld>
             <a:endParaRPr lang="en-CA"/>
           </a:p>
@@ -1894,7 +1895,7 @@
           <a:p>
             <a:fld id="{D6E0E461-4A86-469C-B1C9-3ED7E68C9EB2}" type="datetimeFigureOut">
               <a:rPr lang="en-CA" smtClean="0"/>
-              <a:t>27/01/2018</a:t>
+              <a:t>30/01/2018</a:t>
             </a:fld>
             <a:endParaRPr lang="en-CA"/>
           </a:p>
@@ -1989,7 +1990,7 @@
           <a:p>
             <a:fld id="{D6E0E461-4A86-469C-B1C9-3ED7E68C9EB2}" type="datetimeFigureOut">
               <a:rPr lang="en-CA" smtClean="0"/>
-              <a:t>27/01/2018</a:t>
+              <a:t>30/01/2018</a:t>
             </a:fld>
             <a:endParaRPr lang="en-CA"/>
           </a:p>
@@ -2266,7 +2267,7 @@
           <a:p>
             <a:fld id="{D6E0E461-4A86-469C-B1C9-3ED7E68C9EB2}" type="datetimeFigureOut">
               <a:rPr lang="en-CA" smtClean="0"/>
-              <a:t>27/01/2018</a:t>
+              <a:t>30/01/2018</a:t>
             </a:fld>
             <a:endParaRPr lang="en-CA"/>
           </a:p>
@@ -2519,7 +2520,7 @@
           <a:p>
             <a:fld id="{D6E0E461-4A86-469C-B1C9-3ED7E68C9EB2}" type="datetimeFigureOut">
               <a:rPr lang="en-CA" smtClean="0"/>
-              <a:t>27/01/2018</a:t>
+              <a:t>30/01/2018</a:t>
             </a:fld>
             <a:endParaRPr lang="en-CA"/>
           </a:p>
@@ -2732,7 +2733,7 @@
           <a:p>
             <a:fld id="{D6E0E461-4A86-469C-B1C9-3ED7E68C9EB2}" type="datetimeFigureOut">
               <a:rPr lang="en-CA" smtClean="0"/>
-              <a:t>27/01/2018</a:t>
+              <a:t>30/01/2018</a:t>
             </a:fld>
             <a:endParaRPr lang="en-CA"/>
           </a:p>
@@ -3749,7 +3750,6 @@
               <a:rPr lang="en-CA" dirty="0"/>
               <a:t>to Celsius.</a:t>
             </a:r>
-            <a:endParaRPr lang="en-CA" dirty="0"/>
           </a:p>
         </p:txBody>
       </p:sp>
@@ -3800,6 +3800,85 @@
           <a:p>
             <a:r>
               <a:rPr lang="en-CA" dirty="0" smtClean="0"/>
+              <a:t>Exercise</a:t>
+            </a:r>
+            <a:endParaRPr lang="en-CA" dirty="0"/>
+          </a:p>
+        </p:txBody>
+      </p:sp>
+      <p:sp>
+        <p:nvSpPr>
+          <p:cNvPr id="3" name="Content Placeholder 2"/>
+          <p:cNvSpPr>
+            <a:spLocks noGrp="1"/>
+          </p:cNvSpPr>
+          <p:nvPr>
+            <p:ph idx="1"/>
+          </p:nvPr>
+        </p:nvSpPr>
+        <p:spPr/>
+        <p:txBody>
+          <a:bodyPr/>
+          <a:lstStyle/>
+          <a:p>
+            <a:pPr marL="0" indent="0">
+              <a:buNone/>
+            </a:pPr>
+            <a:r>
+              <a:rPr lang="en-CA" dirty="0" smtClean="0"/>
+              <a:t>Plot a monthly climatology of temperature, i.e. plot the average temperature in each month.</a:t>
+            </a:r>
+            <a:endParaRPr lang="en-CA" dirty="0"/>
+          </a:p>
+        </p:txBody>
+      </p:sp>
+    </p:spTree>
+    <p:extLst>
+      <p:ext uri="{BB962C8B-B14F-4D97-AF65-F5344CB8AC3E}">
+        <p14:creationId xmlns:p14="http://schemas.microsoft.com/office/powerpoint/2010/main" val="2893911350"/>
+      </p:ext>
+    </p:extLst>
+  </p:cSld>
+  <p:clrMapOvr>
+    <a:masterClrMapping/>
+  </p:clrMapOvr>
+</p:sld>
+</file>
+
+<file path=ppt/slides/slide13.xml><?xml version="1.0" encoding="utf-8"?>
+<p:sld xmlns:a="http://schemas.openxmlformats.org/drawingml/2006/main" xmlns:r="http://schemas.openxmlformats.org/officeDocument/2006/relationships" xmlns:p="http://schemas.openxmlformats.org/presentationml/2006/main">
+  <p:cSld>
+    <p:spTree>
+      <p:nvGrpSpPr>
+        <p:cNvPr id="1" name=""/>
+        <p:cNvGrpSpPr/>
+        <p:nvPr/>
+      </p:nvGrpSpPr>
+      <p:grpSpPr>
+        <a:xfrm>
+          <a:off x="0" y="0"/>
+          <a:ext cx="0" cy="0"/>
+          <a:chOff x="0" y="0"/>
+          <a:chExt cx="0" cy="0"/>
+        </a:xfrm>
+      </p:grpSpPr>
+      <p:sp>
+        <p:nvSpPr>
+          <p:cNvPr id="2" name="Title 1"/>
+          <p:cNvSpPr>
+            <a:spLocks noGrp="1"/>
+          </p:cNvSpPr>
+          <p:nvPr>
+            <p:ph type="title"/>
+          </p:nvPr>
+        </p:nvSpPr>
+        <p:spPr/>
+        <p:txBody>
+          <a:bodyPr/>
+          <a:lstStyle/>
+          <a:p>
+            <a:r>
+              <a:rPr lang="en-CA" dirty="0" smtClean="0"/>
               <a:t>Summary</a:t>
             </a:r>
             <a:endParaRPr lang="en-CA" dirty="0"/>
@@ -3901,7 +3980,7 @@
 </p:sld>
 </file>
 
-<file path=ppt/slides/slide13.xml><?xml version="1.0" encoding="utf-8"?>
+<file path=ppt/slides/slide14.xml><?xml version="1.0" encoding="utf-8"?>
 <p:sld xmlns:a="http://schemas.openxmlformats.org/drawingml/2006/main" xmlns:r="http://schemas.openxmlformats.org/officeDocument/2006/relationships" xmlns:p="http://schemas.openxmlformats.org/presentationml/2006/main">
   <p:cSld>
     <p:spTree>
@@ -4203,15 +4282,7 @@
             </a:r>
             <a:r>
               <a:rPr lang="en-CA" dirty="0" smtClean="0"/>
-              <a:t> </a:t>
-            </a:r>
-            <a:r>
-              <a:rPr lang="en-CA" dirty="0" smtClean="0"/>
-              <a:t>Notebook </a:t>
-            </a:r>
-            <a:r>
-              <a:rPr lang="en-CA" dirty="0" smtClean="0"/>
-              <a:t>to work with Python interactively</a:t>
+              <a:t> Notebook to work with Python interactively</a:t>
             </a:r>
           </a:p>
           <a:p>
@@ -4315,13 +4386,8 @@
             </a:r>
             <a:r>
               <a:rPr lang="en-CA" dirty="0" smtClean="0"/>
-              <a:t> </a:t>
-            </a:r>
-            <a:r>
-              <a:rPr lang="en-CA" dirty="0" smtClean="0"/>
-              <a:t>Notebook</a:t>
-            </a:r>
-            <a:endParaRPr lang="en-CA" dirty="0" smtClean="0"/>
+              <a:t> Notebook</a:t>
+            </a:r>
           </a:p>
           <a:p>
             <a:pPr marL="514350" indent="-514350">
@@ -4340,13 +4406,8 @@
             </a:pPr>
             <a:r>
               <a:rPr lang="en-CA" dirty="0" smtClean="0"/>
-              <a:t>Python </a:t>
-            </a:r>
-            <a:r>
-              <a:rPr lang="en-CA" dirty="0" smtClean="0"/>
-              <a:t>resources</a:t>
-            </a:r>
-            <a:endParaRPr lang="en-CA" dirty="0" smtClean="0"/>
+              <a:t>Python resources</a:t>
+            </a:r>
           </a:p>
           <a:p>
             <a:pPr marL="514350" indent="-514350">
@@ -4447,11 +4508,7 @@
             </a:pPr>
             <a:r>
               <a:rPr lang="en-CA" dirty="0" smtClean="0"/>
-              <a:t>- Software </a:t>
-            </a:r>
-            <a:r>
-              <a:rPr lang="en-CA" dirty="0" smtClean="0"/>
-              <a:t>Carpentry.org</a:t>
+              <a:t>- Software Carpentry.org</a:t>
             </a:r>
             <a:endParaRPr lang="en-CA" dirty="0"/>
           </a:p>
@@ -4722,11 +4779,7 @@
             </a:r>
             <a:r>
               <a:rPr lang="en-CA" dirty="0" smtClean="0"/>
-              <a:t> </a:t>
-            </a:r>
-            <a:r>
-              <a:rPr lang="en-CA" dirty="0" smtClean="0"/>
-              <a:t>Notebook</a:t>
+              <a:t> Notebook</a:t>
             </a:r>
             <a:endParaRPr lang="en-CA" dirty="0"/>
           </a:p>
@@ -4755,13 +4808,8 @@
           <a:p>
             <a:r>
               <a:rPr lang="en-CA" dirty="0" smtClean="0"/>
-              <a:t>Can be used with Python, R, </a:t>
-            </a:r>
-            <a:r>
-              <a:rPr lang="en-CA" dirty="0" smtClean="0"/>
-              <a:t>Julia, etc.</a:t>
-            </a:r>
-            <a:endParaRPr lang="en-CA" dirty="0" smtClean="0"/>
+              <a:t>Can be used with Python, R, Julia, etc.</a:t>
+            </a:r>
           </a:p>
           <a:p>
             <a:r>
@@ -4988,37 +5036,16 @@
               <a:rPr lang="en-CA" dirty="0" smtClean="0">
                 <a:cs typeface="Courier New" panose="02070309020205020404" pitchFamily="49" charset="0"/>
               </a:rPr>
-              <a:t> </a:t>
-            </a:r>
+              <a:t> Notebook should launch in your default browser.</a:t>
+            </a:r>
+          </a:p>
+          <a:p>
             <a:r>
               <a:rPr lang="en-CA" dirty="0" smtClean="0">
                 <a:cs typeface="Courier New" panose="02070309020205020404" pitchFamily="49" charset="0"/>
               </a:rPr>
-              <a:t>Notebook </a:t>
-            </a:r>
-            <a:r>
-              <a:rPr lang="en-CA" dirty="0" smtClean="0">
-                <a:cs typeface="Courier New" panose="02070309020205020404" pitchFamily="49" charset="0"/>
-              </a:rPr>
-              <a:t>should launch in your default browser</a:t>
-            </a:r>
-            <a:r>
-              <a:rPr lang="en-CA" dirty="0" smtClean="0">
-                <a:cs typeface="Courier New" panose="02070309020205020404" pitchFamily="49" charset="0"/>
-              </a:rPr>
-              <a:t>.</a:t>
-            </a:r>
-          </a:p>
-          <a:p>
-            <a:r>
-              <a:rPr lang="en-CA" dirty="0" smtClean="0">
-                <a:cs typeface="Courier New" panose="02070309020205020404" pitchFamily="49" charset="0"/>
-              </a:rPr>
               <a:t>Select New -&gt; Python 3 (top right)</a:t>
             </a:r>
-            <a:endParaRPr lang="en-CA" dirty="0" smtClean="0">
-              <a:cs typeface="Courier New" panose="02070309020205020404" pitchFamily="49" charset="0"/>
-            </a:endParaRPr>
           </a:p>
         </p:txBody>
       </p:sp>
@@ -5144,11 +5171,7 @@
           <a:p>
             <a:r>
               <a:rPr lang="en-CA" dirty="0" smtClean="0"/>
-              <a:t>Copy </a:t>
-            </a:r>
-            <a:r>
-              <a:rPr lang="en-CA" dirty="0" smtClean="0"/>
-              <a:t>the </a:t>
+              <a:t>Copy the </a:t>
             </a:r>
             <a:r>
               <a:rPr lang="en-CA" dirty="0" err="1" smtClean="0"/>
@@ -5178,11 +5201,7 @@
             </a:r>
             <a:r>
               <a:rPr lang="en-CA" dirty="0" smtClean="0"/>
-              <a:t> into </a:t>
-            </a:r>
-            <a:r>
-              <a:rPr lang="en-CA" dirty="0" smtClean="0"/>
-              <a:t>your web browser.</a:t>
+              <a:t> into your web browser.</a:t>
             </a:r>
             <a:endParaRPr lang="en-CA" dirty="0"/>
           </a:p>

--- a/dfo_python_intro/Introduction to Python.pptx
+++ b/dfo_python_intro/Introduction to Python.pptx
@@ -301,7 +301,7 @@
           <a:p>
             <a:fld id="{D6E0E461-4A86-469C-B1C9-3ED7E68C9EB2}" type="datetimeFigureOut">
               <a:rPr lang="en-CA" smtClean="0"/>
-              <a:t>30/01/2018</a:t>
+              <a:t>31/01/2018</a:t>
             </a:fld>
             <a:endParaRPr lang="en-CA"/>
           </a:p>
@@ -471,7 +471,7 @@
           <a:p>
             <a:fld id="{D6E0E461-4A86-469C-B1C9-3ED7E68C9EB2}" type="datetimeFigureOut">
               <a:rPr lang="en-CA" smtClean="0"/>
-              <a:t>30/01/2018</a:t>
+              <a:t>31/01/2018</a:t>
             </a:fld>
             <a:endParaRPr lang="en-CA"/>
           </a:p>
@@ -651,7 +651,7 @@
           <a:p>
             <a:fld id="{D6E0E461-4A86-469C-B1C9-3ED7E68C9EB2}" type="datetimeFigureOut">
               <a:rPr lang="en-CA" smtClean="0"/>
-              <a:t>30/01/2018</a:t>
+              <a:t>31/01/2018</a:t>
             </a:fld>
             <a:endParaRPr lang="en-CA"/>
           </a:p>
@@ -821,7 +821,7 @@
           <a:p>
             <a:fld id="{D6E0E461-4A86-469C-B1C9-3ED7E68C9EB2}" type="datetimeFigureOut">
               <a:rPr lang="en-CA" smtClean="0"/>
-              <a:t>30/01/2018</a:t>
+              <a:t>31/01/2018</a:t>
             </a:fld>
             <a:endParaRPr lang="en-CA"/>
           </a:p>
@@ -1067,7 +1067,7 @@
           <a:p>
             <a:fld id="{D6E0E461-4A86-469C-B1C9-3ED7E68C9EB2}" type="datetimeFigureOut">
               <a:rPr lang="en-CA" smtClean="0"/>
-              <a:t>30/01/2018</a:t>
+              <a:t>31/01/2018</a:t>
             </a:fld>
             <a:endParaRPr lang="en-CA"/>
           </a:p>
@@ -1355,7 +1355,7 @@
           <a:p>
             <a:fld id="{D6E0E461-4A86-469C-B1C9-3ED7E68C9EB2}" type="datetimeFigureOut">
               <a:rPr lang="en-CA" smtClean="0"/>
-              <a:t>30/01/2018</a:t>
+              <a:t>31/01/2018</a:t>
             </a:fld>
             <a:endParaRPr lang="en-CA"/>
           </a:p>
@@ -1777,7 +1777,7 @@
           <a:p>
             <a:fld id="{D6E0E461-4A86-469C-B1C9-3ED7E68C9EB2}" type="datetimeFigureOut">
               <a:rPr lang="en-CA" smtClean="0"/>
-              <a:t>30/01/2018</a:t>
+              <a:t>31/01/2018</a:t>
             </a:fld>
             <a:endParaRPr lang="en-CA"/>
           </a:p>
@@ -1895,7 +1895,7 @@
           <a:p>
             <a:fld id="{D6E0E461-4A86-469C-B1C9-3ED7E68C9EB2}" type="datetimeFigureOut">
               <a:rPr lang="en-CA" smtClean="0"/>
-              <a:t>30/01/2018</a:t>
+              <a:t>31/01/2018</a:t>
             </a:fld>
             <a:endParaRPr lang="en-CA"/>
           </a:p>
@@ -1990,7 +1990,7 @@
           <a:p>
             <a:fld id="{D6E0E461-4A86-469C-B1C9-3ED7E68C9EB2}" type="datetimeFigureOut">
               <a:rPr lang="en-CA" smtClean="0"/>
-              <a:t>30/01/2018</a:t>
+              <a:t>31/01/2018</a:t>
             </a:fld>
             <a:endParaRPr lang="en-CA"/>
           </a:p>
@@ -2267,7 +2267,7 @@
           <a:p>
             <a:fld id="{D6E0E461-4A86-469C-B1C9-3ED7E68C9EB2}" type="datetimeFigureOut">
               <a:rPr lang="en-CA" smtClean="0"/>
-              <a:t>30/01/2018</a:t>
+              <a:t>31/01/2018</a:t>
             </a:fld>
             <a:endParaRPr lang="en-CA"/>
           </a:p>
@@ -2520,7 +2520,7 @@
           <a:p>
             <a:fld id="{D6E0E461-4A86-469C-B1C9-3ED7E68C9EB2}" type="datetimeFigureOut">
               <a:rPr lang="en-CA" smtClean="0"/>
-              <a:t>30/01/2018</a:t>
+              <a:t>31/01/2018</a:t>
             </a:fld>
             <a:endParaRPr lang="en-CA"/>
           </a:p>
@@ -2733,7 +2733,7 @@
           <a:p>
             <a:fld id="{D6E0E461-4A86-469C-B1C9-3ED7E68C9EB2}" type="datetimeFigureOut">
               <a:rPr lang="en-CA" smtClean="0"/>
-              <a:t>30/01/2018</a:t>
+              <a:t>31/01/2018</a:t>
             </a:fld>
             <a:endParaRPr lang="en-CA"/>
           </a:p>
